--- a/docs/Présentation - Analyse des prix des montres de luxe Panerai.pptx
+++ b/docs/Présentation - Analyse des prix des montres de luxe Panerai.pptx
@@ -126,6 +126,11 @@
       </a:defRPr>
     </a:lvl9pPr>
   </p:defaultTextStyle>
+  <p:extLst>
+    <p:ext uri="{EFAFB233-063F-42B5-8137-9DF3F51BA10A}">
+      <p15:sldGuideLst xmlns:p15="http://schemas.microsoft.com/office/powerpoint/2012/main"/>
+    </p:ext>
+  </p:extLst>
 </p:presentation>
 </file>
 
@@ -10240,9 +10245,6 @@
               </a:rPr>
               <a:t>Total des montres avec un taux d'augmentation négatif : 3</a:t>
             </a:r>
-            <a:endParaRPr lang="fr-FR" dirty="0">
-              <a:latin typeface="Bahnschrift SemiBold" panose="020B0502040204020203" pitchFamily="34" charset="0"/>
-            </a:endParaRPr>
           </a:p>
         </p:txBody>
       </p:sp>
@@ -11643,14 +11645,6 @@
               </a:rPr>
               <a:t>Étude pour un pays spécifique : USA</a:t>
             </a:r>
-            <a:endParaRPr lang="fr-FR" b="1" dirty="0" smtClean="0">
-              <a:solidFill>
-                <a:schemeClr val="accent1">
-                  <a:lumMod val="50000"/>
-                </a:schemeClr>
-              </a:solidFill>
-              <a:latin typeface="Berlin Sans FB" panose="020E0602020502020306" pitchFamily="34" charset="0"/>
-            </a:endParaRPr>
           </a:p>
         </p:txBody>
       </p:sp>
@@ -15421,14 +15415,6 @@
               </a:rPr>
               <a:t>Étude pour un pays spécifique : USA</a:t>
             </a:r>
-            <a:endParaRPr lang="fr-FR" b="1" dirty="0" smtClean="0">
-              <a:solidFill>
-                <a:schemeClr val="accent1">
-                  <a:lumMod val="50000"/>
-                </a:schemeClr>
-              </a:solidFill>
-              <a:latin typeface="Berlin Sans FB" panose="020E0602020502020306" pitchFamily="34" charset="0"/>
-            </a:endParaRPr>
           </a:p>
         </p:txBody>
       </p:sp>
@@ -17758,13 +17744,7 @@
               <a:rPr lang="fr-FR" sz="1600" dirty="0" smtClean="0">
                 <a:latin typeface="Berlin Sans FB" panose="020E0602020502020306" pitchFamily="34" charset="0"/>
               </a:rPr>
-              <a:t>1. </a:t>
-            </a:r>
-            <a:r>
-              <a:rPr lang="fr-FR" sz="1600" dirty="0" smtClean="0">
-                <a:latin typeface="Berlin Sans FB" panose="020E0602020502020306" pitchFamily="34" charset="0"/>
-              </a:rPr>
-              <a:t>Identifier le produit le moins cher et le plus cher dans l'ensemble du sous-ensemble</a:t>
+              <a:t>1. Identifier le produit le moins cher et le plus cher dans l'ensemble du sous-ensemble</a:t>
             </a:r>
             <a:endParaRPr lang="en-US" sz="1600" dirty="0" smtClean="0">
               <a:latin typeface="Berlin Sans FB" panose="020E0602020502020306" pitchFamily="34" charset="0"/>

--- a/docs/Présentation - Analyse des prix des montres de luxe Panerai.pptx
+++ b/docs/Présentation - Analyse des prix des montres de luxe Panerai.pptx
@@ -28,6 +28,7 @@
     <p:sldId id="275" r:id="rId22"/>
     <p:sldId id="276" r:id="rId23"/>
     <p:sldId id="277" r:id="rId24"/>
+    <p:sldId id="284" r:id="rId25"/>
   </p:sldIdLst>
   <p:sldSz cx="12192000" cy="6858000"/>
   <p:notesSz cx="6858000" cy="9144000"/>
@@ -15572,6 +15573,128 @@
 </p:sld>
 </file>
 
+<file path=ppt/slides/slide24.xml><?xml version="1.0" encoding="utf-8"?>
+<p:sld xmlns:a="http://schemas.openxmlformats.org/drawingml/2006/main" xmlns:r="http://schemas.openxmlformats.org/officeDocument/2006/relationships" xmlns:p="http://schemas.openxmlformats.org/presentationml/2006/main">
+  <p:cSld>
+    <p:spTree>
+      <p:nvGrpSpPr>
+        <p:cNvPr id="1" name=""/>
+        <p:cNvGrpSpPr/>
+        <p:nvPr/>
+      </p:nvGrpSpPr>
+      <p:grpSpPr>
+        <a:xfrm>
+          <a:off x="0" y="0"/>
+          <a:ext cx="0" cy="0"/>
+          <a:chOff x="0" y="0"/>
+          <a:chExt cx="0" cy="0"/>
+        </a:xfrm>
+      </p:grpSpPr>
+      <p:sp>
+        <p:nvSpPr>
+          <p:cNvPr id="5" name="Rectangle 4"/>
+          <p:cNvSpPr/>
+          <p:nvPr/>
+        </p:nvSpPr>
+        <p:spPr>
+          <a:xfrm>
+            <a:off x="-830817" y="1268750"/>
+            <a:ext cx="14096874" cy="2896852"/>
+          </a:xfrm>
+          <a:prstGeom prst="rect">
+            <a:avLst/>
+          </a:prstGeom>
+          <a:solidFill>
+            <a:schemeClr val="accent1">
+              <a:lumMod val="50000"/>
+            </a:schemeClr>
+          </a:solidFill>
+        </p:spPr>
+        <p:style>
+          <a:lnRef idx="2">
+            <a:schemeClr val="accent1">
+              <a:shade val="50000"/>
+            </a:schemeClr>
+          </a:lnRef>
+          <a:fillRef idx="1">
+            <a:schemeClr val="accent1"/>
+          </a:fillRef>
+          <a:effectRef idx="0">
+            <a:schemeClr val="accent1"/>
+          </a:effectRef>
+          <a:fontRef idx="minor">
+            <a:schemeClr val="lt1"/>
+          </a:fontRef>
+        </p:style>
+        <p:txBody>
+          <a:bodyPr rtlCol="0" anchor="ctr"/>
+          <a:lstStyle/>
+          <a:p>
+            <a:pPr algn="ctr"/>
+            <a:endParaRPr lang="fr-FR"/>
+          </a:p>
+        </p:txBody>
+      </p:sp>
+      <p:sp>
+        <p:nvSpPr>
+          <p:cNvPr id="6" name="Rectangle 5"/>
+          <p:cNvSpPr/>
+          <p:nvPr/>
+        </p:nvSpPr>
+        <p:spPr>
+          <a:xfrm>
+            <a:off x="674070" y="2301677"/>
+            <a:ext cx="11087100" cy="830997"/>
+          </a:xfrm>
+          <a:prstGeom prst="rect">
+            <a:avLst/>
+          </a:prstGeom>
+        </p:spPr>
+        <p:txBody>
+          <a:bodyPr wrap="square">
+            <a:spAutoFit/>
+          </a:bodyPr>
+          <a:lstStyle/>
+          <a:p>
+            <a:pPr algn="ctr"/>
+            <a:r>
+              <a:rPr lang="fr-FR" sz="4800" b="1" dirty="0" smtClean="0">
+                <a:solidFill>
+                  <a:schemeClr val="bg1"/>
+                </a:solidFill>
+                <a:latin typeface="Berlin Sans FB" panose="020E0602020502020306" pitchFamily="34" charset="0"/>
+              </a:rPr>
+              <a:t>Conclusion</a:t>
+            </a:r>
+            <a:endParaRPr lang="fr-FR" sz="4800" b="1" dirty="0" smtClean="0">
+              <a:solidFill>
+                <a:schemeClr val="bg1"/>
+              </a:solidFill>
+              <a:latin typeface="Berlin Sans FB" panose="020E0602020502020306" pitchFamily="34" charset="0"/>
+            </a:endParaRPr>
+          </a:p>
+        </p:txBody>
+      </p:sp>
+    </p:spTree>
+    <p:extLst>
+      <p:ext uri="{BB962C8B-B14F-4D97-AF65-F5344CB8AC3E}">
+        <p14:creationId xmlns:p14="http://schemas.microsoft.com/office/powerpoint/2010/main" val="1869263888"/>
+      </p:ext>
+    </p:extLst>
+  </p:cSld>
+  <p:clrMapOvr>
+    <a:masterClrMapping/>
+  </p:clrMapOvr>
+  <p:timing>
+    <p:tnLst>
+      <p:par>
+        <p:cTn id="1" dur="indefinite" restart="never" nodeType="tmRoot"/>
+      </p:par>
+    </p:tnLst>
+  </p:timing>
+</p:sld>
+</file>
+
 <file path=ppt/slides/slide3.xml><?xml version="1.0" encoding="utf-8"?>
 <p:sld xmlns:a="http://schemas.openxmlformats.org/drawingml/2006/main" xmlns:r="http://schemas.openxmlformats.org/officeDocument/2006/relationships" xmlns:p="http://schemas.openxmlformats.org/presentationml/2006/main">
   <p:cSld>

--- a/docs/Présentation - Analyse des prix des montres de luxe Panerai.pptx
+++ b/docs/Présentation - Analyse des prix des montres de luxe Panerai.pptx
@@ -266,7 +266,7 @@
           <a:p>
             <a:fld id="{43EEA343-567F-491E-88BE-7A28EF98206E}" type="datetimeFigureOut">
               <a:rPr lang="fr-FR" smtClean="0"/>
-              <a:t>02/03/2025</a:t>
+              <a:t>07/03/2025</a:t>
             </a:fld>
             <a:endParaRPr lang="fr-FR"/>
           </a:p>
@@ -436,7 +436,7 @@
           <a:p>
             <a:fld id="{43EEA343-567F-491E-88BE-7A28EF98206E}" type="datetimeFigureOut">
               <a:rPr lang="fr-FR" smtClean="0"/>
-              <a:t>02/03/2025</a:t>
+              <a:t>07/03/2025</a:t>
             </a:fld>
             <a:endParaRPr lang="fr-FR"/>
           </a:p>
@@ -616,7 +616,7 @@
           <a:p>
             <a:fld id="{43EEA343-567F-491E-88BE-7A28EF98206E}" type="datetimeFigureOut">
               <a:rPr lang="fr-FR" smtClean="0"/>
-              <a:t>02/03/2025</a:t>
+              <a:t>07/03/2025</a:t>
             </a:fld>
             <a:endParaRPr lang="fr-FR"/>
           </a:p>
@@ -786,7 +786,7 @@
           <a:p>
             <a:fld id="{43EEA343-567F-491E-88BE-7A28EF98206E}" type="datetimeFigureOut">
               <a:rPr lang="fr-FR" smtClean="0"/>
-              <a:t>02/03/2025</a:t>
+              <a:t>07/03/2025</a:t>
             </a:fld>
             <a:endParaRPr lang="fr-FR"/>
           </a:p>
@@ -1032,7 +1032,7 @@
           <a:p>
             <a:fld id="{43EEA343-567F-491E-88BE-7A28EF98206E}" type="datetimeFigureOut">
               <a:rPr lang="fr-FR" smtClean="0"/>
-              <a:t>02/03/2025</a:t>
+              <a:t>07/03/2025</a:t>
             </a:fld>
             <a:endParaRPr lang="fr-FR"/>
           </a:p>
@@ -1264,7 +1264,7 @@
           <a:p>
             <a:fld id="{43EEA343-567F-491E-88BE-7A28EF98206E}" type="datetimeFigureOut">
               <a:rPr lang="fr-FR" smtClean="0"/>
-              <a:t>02/03/2025</a:t>
+              <a:t>07/03/2025</a:t>
             </a:fld>
             <a:endParaRPr lang="fr-FR"/>
           </a:p>
@@ -1631,7 +1631,7 @@
           <a:p>
             <a:fld id="{43EEA343-567F-491E-88BE-7A28EF98206E}" type="datetimeFigureOut">
               <a:rPr lang="fr-FR" smtClean="0"/>
-              <a:t>02/03/2025</a:t>
+              <a:t>07/03/2025</a:t>
             </a:fld>
             <a:endParaRPr lang="fr-FR"/>
           </a:p>
@@ -1749,7 +1749,7 @@
           <a:p>
             <a:fld id="{43EEA343-567F-491E-88BE-7A28EF98206E}" type="datetimeFigureOut">
               <a:rPr lang="fr-FR" smtClean="0"/>
-              <a:t>02/03/2025</a:t>
+              <a:t>07/03/2025</a:t>
             </a:fld>
             <a:endParaRPr lang="fr-FR"/>
           </a:p>
@@ -1844,7 +1844,7 @@
           <a:p>
             <a:fld id="{43EEA343-567F-491E-88BE-7A28EF98206E}" type="datetimeFigureOut">
               <a:rPr lang="fr-FR" smtClean="0"/>
-              <a:t>02/03/2025</a:t>
+              <a:t>07/03/2025</a:t>
             </a:fld>
             <a:endParaRPr lang="fr-FR"/>
           </a:p>
@@ -2121,7 +2121,7 @@
           <a:p>
             <a:fld id="{43EEA343-567F-491E-88BE-7A28EF98206E}" type="datetimeFigureOut">
               <a:rPr lang="fr-FR" smtClean="0"/>
-              <a:t>02/03/2025</a:t>
+              <a:t>07/03/2025</a:t>
             </a:fld>
             <a:endParaRPr lang="fr-FR"/>
           </a:p>
@@ -2374,7 +2374,7 @@
           <a:p>
             <a:fld id="{43EEA343-567F-491E-88BE-7A28EF98206E}" type="datetimeFigureOut">
               <a:rPr lang="fr-FR" smtClean="0"/>
-              <a:t>02/03/2025</a:t>
+              <a:t>07/03/2025</a:t>
             </a:fld>
             <a:endParaRPr lang="fr-FR"/>
           </a:p>
@@ -2587,7 +2587,7 @@
           <a:p>
             <a:fld id="{43EEA343-567F-491E-88BE-7A28EF98206E}" type="datetimeFigureOut">
               <a:rPr lang="fr-FR" smtClean="0"/>
-              <a:t>02/03/2025</a:t>
+              <a:t>07/03/2025</a:t>
             </a:fld>
             <a:endParaRPr lang="fr-FR"/>
           </a:p>
@@ -10265,7 +10265,7 @@
         </p:blipFill>
         <p:spPr>
           <a:xfrm>
-            <a:off x="1685131" y="4692770"/>
+            <a:off x="1685132" y="2317509"/>
             <a:ext cx="8821727" cy="1219204"/>
           </a:xfrm>
           <a:prstGeom prst="rect">
@@ -10289,7 +10289,7 @@
         </p:blipFill>
         <p:spPr>
           <a:xfrm>
-            <a:off x="1685131" y="2253750"/>
+            <a:off x="1576643" y="4755769"/>
             <a:ext cx="8821727" cy="1258449"/>
           </a:xfrm>
           <a:prstGeom prst="rect">
@@ -15666,12 +15666,6 @@
               </a:rPr>
               <a:t>Conclusion</a:t>
             </a:r>
-            <a:endParaRPr lang="fr-FR" sz="4800" b="1" dirty="0" smtClean="0">
-              <a:solidFill>
-                <a:schemeClr val="bg1"/>
-              </a:solidFill>
-              <a:latin typeface="Berlin Sans FB" panose="020E0602020502020306" pitchFamily="34" charset="0"/>
-            </a:endParaRPr>
           </a:p>
         </p:txBody>
       </p:sp>
@@ -17688,7 +17682,7 @@
         </p:blipFill>
         <p:spPr>
           <a:xfrm>
-            <a:off x="3448046" y="1617335"/>
+            <a:off x="3448046" y="1586339"/>
             <a:ext cx="5295900" cy="4781550"/>
           </a:xfrm>
           <a:prstGeom prst="rect">

--- a/docs/Présentation - Analyse des prix des montres de luxe Panerai.pptx
+++ b/docs/Présentation - Analyse des prix des montres de luxe Panerai.pptx
@@ -8114,7 +8114,13 @@
               <a:rPr lang="fr-FR" sz="1400" b="1" dirty="0">
                 <a:latin typeface="Berlin Sans FB" panose="020E0602020502020306" pitchFamily="34" charset="0"/>
               </a:rPr>
-              <a:t>Taux de croissance (%) </a:t>
+              <a:t>taux de croissance annuel </a:t>
+            </a:r>
+            <a:r>
+              <a:rPr lang="fr-FR" sz="1400" b="1" dirty="0" smtClean="0">
+                <a:latin typeface="Berlin Sans FB" panose="020E0602020502020306" pitchFamily="34" charset="0"/>
+              </a:rPr>
+              <a:t>composé {CAGR} (%) </a:t>
             </a:r>
             <a:r>
               <a:rPr lang="fr-FR" sz="1400" dirty="0">
@@ -8954,13 +8960,7 @@
               <a:rPr lang="en-US" dirty="0" smtClean="0">
                 <a:latin typeface="Berlin Sans FB Demi" panose="020E0802020502020306" pitchFamily="34" charset="0"/>
               </a:rPr>
-              <a:t>Par </a:t>
-            </a:r>
-            <a:r>
-              <a:rPr lang="en-US" dirty="0" smtClean="0">
-                <a:latin typeface="Berlin Sans FB Demi" panose="020E0802020502020306" pitchFamily="34" charset="0"/>
-              </a:rPr>
-              <a:t>reference</a:t>
+              <a:t>Par reference</a:t>
             </a:r>
           </a:p>
           <a:p>
@@ -9391,19 +9391,7 @@
               <a:rPr lang="fr-FR" dirty="0" smtClean="0">
                 <a:latin typeface="Berlin Sans FB" panose="020E0602020502020306" pitchFamily="34" charset="0"/>
               </a:rPr>
-              <a:t>Ce graphique représente la distribution de </a:t>
-            </a:r>
-            <a:r>
-              <a:rPr lang="fr-FR" dirty="0" smtClean="0">
-                <a:latin typeface="Berlin Sans FB" panose="020E0602020502020306" pitchFamily="34" charset="0"/>
-              </a:rPr>
-              <a:t>l’édition </a:t>
-            </a:r>
-            <a:r>
-              <a:rPr lang="fr-FR" dirty="0" smtClean="0">
-                <a:latin typeface="Berlin Sans FB" panose="020E0602020502020306" pitchFamily="34" charset="0"/>
-              </a:rPr>
-              <a:t>de montres Panerai limitées à 2021 par collection sur quatre marchés.</a:t>
+              <a:t>Ce graphique représente la distribution de l’édition de montres Panerai limitées à 2021 par collection sur quatre marchés.</a:t>
             </a:r>
             <a:endParaRPr lang="fr-FR" dirty="0">
               <a:latin typeface="Berlin Sans FB" panose="020E0602020502020306" pitchFamily="34" charset="0"/>
@@ -9823,9 +9811,164 @@
           </a:p>
         </p:txBody>
       </p:sp>
+      <p:sp>
+        <p:nvSpPr>
+          <p:cNvPr id="4" name="Rectangle 3"/>
+          <p:cNvSpPr/>
+          <p:nvPr/>
+        </p:nvSpPr>
+        <p:spPr>
+          <a:xfrm>
+            <a:off x="515002" y="1595611"/>
+            <a:ext cx="11161987" cy="923330"/>
+          </a:xfrm>
+          <a:prstGeom prst="rect">
+            <a:avLst/>
+          </a:prstGeom>
+        </p:spPr>
+        <p:txBody>
+          <a:bodyPr wrap="square">
+            <a:spAutoFit/>
+          </a:bodyPr>
+          <a:lstStyle/>
+          <a:p>
+            <a:pPr marL="285750" indent="-285750" algn="just">
+              <a:buFont typeface="Arial" panose="020B0604020202020204" pitchFamily="34" charset="0"/>
+              <a:buChar char="•"/>
+            </a:pPr>
+            <a:r>
+              <a:rPr lang="fr-FR" dirty="0">
+                <a:latin typeface="Berlin Sans FB" panose="020E0602020502020306" pitchFamily="34" charset="0"/>
+              </a:rPr>
+              <a:t>L</a:t>
+            </a:r>
+            <a:r>
+              <a:rPr lang="fr-FR" dirty="0" smtClean="0">
+                <a:latin typeface="Berlin Sans FB" panose="020E0602020502020306" pitchFamily="34" charset="0"/>
+              </a:rPr>
+              <a:t>e </a:t>
+            </a:r>
+            <a:r>
+              <a:rPr lang="fr-FR" dirty="0">
+                <a:latin typeface="Berlin Sans FB" panose="020E0602020502020306" pitchFamily="34" charset="0"/>
+              </a:rPr>
+              <a:t>tableau </a:t>
+            </a:r>
+            <a:r>
+              <a:rPr lang="fr-FR" dirty="0" smtClean="0">
+                <a:latin typeface="Berlin Sans FB" panose="020E0602020502020306" pitchFamily="34" charset="0"/>
+              </a:rPr>
+              <a:t>ci-dessous présente le chiffre d’affaire par </a:t>
+            </a:r>
+            <a:r>
+              <a:rPr lang="fr-FR" dirty="0">
+                <a:latin typeface="Berlin Sans FB" panose="020E0602020502020306" pitchFamily="34" charset="0"/>
+              </a:rPr>
+              <a:t>collections (</a:t>
+            </a:r>
+            <a:r>
+              <a:rPr lang="fr-FR" dirty="0" err="1">
+                <a:latin typeface="Berlin Sans FB" panose="020E0602020502020306" pitchFamily="34" charset="0"/>
+              </a:rPr>
+              <a:t>Luminor</a:t>
+            </a:r>
+            <a:r>
+              <a:rPr lang="fr-FR" dirty="0">
+                <a:latin typeface="Berlin Sans FB" panose="020E0602020502020306" pitchFamily="34" charset="0"/>
+              </a:rPr>
+              <a:t>, </a:t>
+            </a:r>
+            <a:r>
+              <a:rPr lang="fr-FR" dirty="0" err="1">
+                <a:latin typeface="Berlin Sans FB" panose="020E0602020502020306" pitchFamily="34" charset="0"/>
+              </a:rPr>
+              <a:t>Luminor</a:t>
+            </a:r>
+            <a:r>
+              <a:rPr lang="fr-FR" dirty="0">
+                <a:latin typeface="Berlin Sans FB" panose="020E0602020502020306" pitchFamily="34" charset="0"/>
+              </a:rPr>
+              <a:t>-Due, </a:t>
+            </a:r>
+            <a:r>
+              <a:rPr lang="fr-FR" dirty="0" err="1">
+                <a:latin typeface="Berlin Sans FB" panose="020E0602020502020306" pitchFamily="34" charset="0"/>
+              </a:rPr>
+              <a:t>Radiomir</a:t>
+            </a:r>
+            <a:r>
+              <a:rPr lang="fr-FR" dirty="0">
+                <a:latin typeface="Berlin Sans FB" panose="020E0602020502020306" pitchFamily="34" charset="0"/>
+              </a:rPr>
+              <a:t>, Submersible) dans </a:t>
+            </a:r>
+            <a:r>
+              <a:rPr lang="fr-FR" dirty="0" smtClean="0">
+                <a:latin typeface="Berlin Sans FB" panose="020E0602020502020306" pitchFamily="34" charset="0"/>
+              </a:rPr>
+              <a:t>les quatre </a:t>
+            </a:r>
+            <a:r>
+              <a:rPr lang="fr-FR" dirty="0">
+                <a:latin typeface="Berlin Sans FB" panose="020E0602020502020306" pitchFamily="34" charset="0"/>
+              </a:rPr>
+              <a:t>pays (France, Royaume-Uni, États-Unis et Japon). </a:t>
+            </a:r>
+            <a:endParaRPr lang="fr-FR" dirty="0" smtClean="0">
+              <a:latin typeface="Berlin Sans FB" panose="020E0602020502020306" pitchFamily="34" charset="0"/>
+            </a:endParaRPr>
+          </a:p>
+          <a:p>
+            <a:pPr marL="285750" indent="-285750" algn="just">
+              <a:buFont typeface="Arial" panose="020B0604020202020204" pitchFamily="34" charset="0"/>
+              <a:buChar char="•"/>
+            </a:pPr>
+            <a:r>
+              <a:rPr lang="fr-FR" dirty="0" smtClean="0">
+                <a:latin typeface="Berlin Sans FB" panose="020E0602020502020306" pitchFamily="34" charset="0"/>
+              </a:rPr>
+              <a:t>Il </a:t>
+            </a:r>
+            <a:r>
+              <a:rPr lang="fr-FR" dirty="0">
+                <a:latin typeface="Berlin Sans FB" panose="020E0602020502020306" pitchFamily="34" charset="0"/>
+              </a:rPr>
+              <a:t>indique également les totaux par collection, par pays, ainsi qu’un total général.</a:t>
+            </a:r>
+          </a:p>
+        </p:txBody>
+      </p:sp>
+      <p:sp>
+        <p:nvSpPr>
+          <p:cNvPr id="8" name="Slide Number Placeholder 7"/>
+          <p:cNvSpPr>
+            <a:spLocks noGrp="1"/>
+          </p:cNvSpPr>
+          <p:nvPr>
+            <p:ph type="sldNum" sz="quarter" idx="12"/>
+          </p:nvPr>
+        </p:nvSpPr>
+        <p:spPr/>
+        <p:txBody>
+          <a:bodyPr vert="horz" lIns="91440" tIns="45720" rIns="91440" bIns="45720" rtlCol="0" anchor="ctr"/>
+          <a:lstStyle/>
+          <a:p>
+            <a:fld id="{4DB97305-A191-469C-8B05-B348AD76F4AF}" type="slidenum">
+              <a:rPr lang="fr-FR">
+                <a:latin typeface="Berlin Sans FB Demi" panose="020E0802020502020306" pitchFamily="34" charset="0"/>
+              </a:rPr>
+              <a:pPr/>
+              <a:t>24</a:t>
+            </a:fld>
+            <a:endParaRPr lang="fr-FR">
+              <a:latin typeface="Berlin Sans FB Demi" panose="020E0802020502020306" pitchFamily="34" charset="0"/>
+            </a:endParaRPr>
+          </a:p>
+        </p:txBody>
+      </p:sp>
       <p:pic>
         <p:nvPicPr>
-          <p:cNvPr id="3" name="Picture 2"/>
+          <p:cNvPr id="9" name="Picture 8"/>
           <p:cNvPicPr>
             <a:picLocks noChangeAspect="1"/>
           </p:cNvPicPr>
@@ -9847,161 +9990,6 @@
           </a:prstGeom>
         </p:spPr>
       </p:pic>
-      <p:sp>
-        <p:nvSpPr>
-          <p:cNvPr id="4" name="Rectangle 3"/>
-          <p:cNvSpPr/>
-          <p:nvPr/>
-        </p:nvSpPr>
-        <p:spPr>
-          <a:xfrm>
-            <a:off x="515002" y="1595611"/>
-            <a:ext cx="11161987" cy="923330"/>
-          </a:xfrm>
-          <a:prstGeom prst="rect">
-            <a:avLst/>
-          </a:prstGeom>
-        </p:spPr>
-        <p:txBody>
-          <a:bodyPr wrap="square">
-            <a:spAutoFit/>
-          </a:bodyPr>
-          <a:lstStyle/>
-          <a:p>
-            <a:pPr marL="285750" indent="-285750" algn="just">
-              <a:buFont typeface="Arial" panose="020B0604020202020204" pitchFamily="34" charset="0"/>
-              <a:buChar char="•"/>
-            </a:pPr>
-            <a:r>
-              <a:rPr lang="fr-FR" dirty="0">
-                <a:latin typeface="Berlin Sans FB" panose="020E0602020502020306" pitchFamily="34" charset="0"/>
-              </a:rPr>
-              <a:t>L</a:t>
-            </a:r>
-            <a:r>
-              <a:rPr lang="fr-FR" dirty="0" smtClean="0">
-                <a:latin typeface="Berlin Sans FB" panose="020E0602020502020306" pitchFamily="34" charset="0"/>
-              </a:rPr>
-              <a:t>e </a:t>
-            </a:r>
-            <a:r>
-              <a:rPr lang="fr-FR" dirty="0">
-                <a:latin typeface="Berlin Sans FB" panose="020E0602020502020306" pitchFamily="34" charset="0"/>
-              </a:rPr>
-              <a:t>tableau </a:t>
-            </a:r>
-            <a:r>
-              <a:rPr lang="fr-FR" dirty="0" smtClean="0">
-                <a:latin typeface="Berlin Sans FB" panose="020E0602020502020306" pitchFamily="34" charset="0"/>
-              </a:rPr>
-              <a:t>ci-dessous présente le chiffre d’affaire par </a:t>
-            </a:r>
-            <a:r>
-              <a:rPr lang="fr-FR" dirty="0">
-                <a:latin typeface="Berlin Sans FB" panose="020E0602020502020306" pitchFamily="34" charset="0"/>
-              </a:rPr>
-              <a:t>collections (</a:t>
-            </a:r>
-            <a:r>
-              <a:rPr lang="fr-FR" dirty="0" err="1">
-                <a:latin typeface="Berlin Sans FB" panose="020E0602020502020306" pitchFamily="34" charset="0"/>
-              </a:rPr>
-              <a:t>Luminor</a:t>
-            </a:r>
-            <a:r>
-              <a:rPr lang="fr-FR" dirty="0">
-                <a:latin typeface="Berlin Sans FB" panose="020E0602020502020306" pitchFamily="34" charset="0"/>
-              </a:rPr>
-              <a:t>, </a:t>
-            </a:r>
-            <a:r>
-              <a:rPr lang="fr-FR" dirty="0" err="1">
-                <a:latin typeface="Berlin Sans FB" panose="020E0602020502020306" pitchFamily="34" charset="0"/>
-              </a:rPr>
-              <a:t>Luminor</a:t>
-            </a:r>
-            <a:r>
-              <a:rPr lang="fr-FR" dirty="0">
-                <a:latin typeface="Berlin Sans FB" panose="020E0602020502020306" pitchFamily="34" charset="0"/>
-              </a:rPr>
-              <a:t>-Due, </a:t>
-            </a:r>
-            <a:r>
-              <a:rPr lang="fr-FR" dirty="0" err="1">
-                <a:latin typeface="Berlin Sans FB" panose="020E0602020502020306" pitchFamily="34" charset="0"/>
-              </a:rPr>
-              <a:t>Radiomir</a:t>
-            </a:r>
-            <a:r>
-              <a:rPr lang="fr-FR" dirty="0">
-                <a:latin typeface="Berlin Sans FB" panose="020E0602020502020306" pitchFamily="34" charset="0"/>
-              </a:rPr>
-              <a:t>, Submersible) dans </a:t>
-            </a:r>
-            <a:r>
-              <a:rPr lang="fr-FR" dirty="0" smtClean="0">
-                <a:latin typeface="Berlin Sans FB" panose="020E0602020502020306" pitchFamily="34" charset="0"/>
-              </a:rPr>
-              <a:t>les quatre </a:t>
-            </a:r>
-            <a:r>
-              <a:rPr lang="fr-FR" dirty="0">
-                <a:latin typeface="Berlin Sans FB" panose="020E0602020502020306" pitchFamily="34" charset="0"/>
-              </a:rPr>
-              <a:t>pays (France, Royaume-Uni, États-Unis et Japon). </a:t>
-            </a:r>
-            <a:endParaRPr lang="fr-FR" dirty="0" smtClean="0">
-              <a:latin typeface="Berlin Sans FB" panose="020E0602020502020306" pitchFamily="34" charset="0"/>
-            </a:endParaRPr>
-          </a:p>
-          <a:p>
-            <a:pPr marL="285750" indent="-285750" algn="just">
-              <a:buFont typeface="Arial" panose="020B0604020202020204" pitchFamily="34" charset="0"/>
-              <a:buChar char="•"/>
-            </a:pPr>
-            <a:r>
-              <a:rPr lang="fr-FR" dirty="0" smtClean="0">
-                <a:latin typeface="Berlin Sans FB" panose="020E0602020502020306" pitchFamily="34" charset="0"/>
-              </a:rPr>
-              <a:t>Il </a:t>
-            </a:r>
-            <a:r>
-              <a:rPr lang="fr-FR" dirty="0">
-                <a:latin typeface="Berlin Sans FB" panose="020E0602020502020306" pitchFamily="34" charset="0"/>
-              </a:rPr>
-              <a:t>indique également les totaux par collection, par pays, ainsi qu’un total général.</a:t>
-            </a:r>
-          </a:p>
-        </p:txBody>
-      </p:sp>
-      <p:sp>
-        <p:nvSpPr>
-          <p:cNvPr id="8" name="Slide Number Placeholder 7"/>
-          <p:cNvSpPr>
-            <a:spLocks noGrp="1"/>
-          </p:cNvSpPr>
-          <p:nvPr>
-            <p:ph type="sldNum" sz="quarter" idx="12"/>
-          </p:nvPr>
-        </p:nvSpPr>
-        <p:spPr/>
-        <p:txBody>
-          <a:bodyPr vert="horz" lIns="91440" tIns="45720" rIns="91440" bIns="45720" rtlCol="0" anchor="ctr"/>
-          <a:lstStyle/>
-          <a:p>
-            <a:fld id="{4DB97305-A191-469C-8B05-B348AD76F4AF}" type="slidenum">
-              <a:rPr lang="fr-FR">
-                <a:latin typeface="Berlin Sans FB Demi" panose="020E0802020502020306" pitchFamily="34" charset="0"/>
-              </a:rPr>
-              <a:pPr/>
-              <a:t>24</a:t>
-            </a:fld>
-            <a:endParaRPr lang="fr-FR">
-              <a:latin typeface="Berlin Sans FB Demi" panose="020E0802020502020306" pitchFamily="34" charset="0"/>
-            </a:endParaRPr>
-          </a:p>
-        </p:txBody>
-      </p:sp>
     </p:spTree>
     <p:extLst>
       <p:ext uri="{BB962C8B-B14F-4D97-AF65-F5344CB8AC3E}">

--- a/docs/Présentation - Analyse des prix des montres de luxe Panerai.pptx
+++ b/docs/Présentation - Analyse des prix des montres de luxe Panerai.pptx
@@ -5,7 +5,7 @@
     <p:sldMasterId id="2147483648" r:id="rId1"/>
   </p:sldMasterIdLst>
   <p:notesMasterIdLst>
-    <p:notesMasterId r:id="rId29"/>
+    <p:notesMasterId r:id="rId31"/>
   </p:notesMasterIdLst>
   <p:sldIdLst>
     <p:sldId id="260" r:id="rId2"/>
@@ -35,6 +35,8 @@
     <p:sldId id="299" r:id="rId26"/>
     <p:sldId id="301" r:id="rId27"/>
     <p:sldId id="284" r:id="rId28"/>
+    <p:sldId id="303" r:id="rId29"/>
+    <p:sldId id="305" r:id="rId30"/>
   </p:sldIdLst>
   <p:sldSz cx="12192000" cy="6858000"/>
   <p:notesSz cx="6858000" cy="9144000"/>
@@ -11020,6 +11022,490 @@
     <p:extLst>
       <p:ext uri="{BB962C8B-B14F-4D97-AF65-F5344CB8AC3E}">
         <p14:creationId xmlns:p14="http://schemas.microsoft.com/office/powerpoint/2010/main" val="1869263888"/>
+      </p:ext>
+    </p:extLst>
+  </p:cSld>
+  <p:clrMapOvr>
+    <a:masterClrMapping/>
+  </p:clrMapOvr>
+  <p:timing>
+    <p:tnLst>
+      <p:par>
+        <p:cTn id="1" dur="indefinite" restart="never" nodeType="tmRoot"/>
+      </p:par>
+    </p:tnLst>
+  </p:timing>
+</p:sld>
+</file>
+
+<file path=ppt/slides/slide28.xml><?xml version="1.0" encoding="utf-8"?>
+<p:sld xmlns:a="http://schemas.openxmlformats.org/drawingml/2006/main" xmlns:r="http://schemas.openxmlformats.org/officeDocument/2006/relationships" xmlns:p="http://schemas.openxmlformats.org/presentationml/2006/main">
+  <p:cSld>
+    <p:spTree>
+      <p:nvGrpSpPr>
+        <p:cNvPr id="1" name=""/>
+        <p:cNvGrpSpPr/>
+        <p:nvPr/>
+      </p:nvGrpSpPr>
+      <p:grpSpPr>
+        <a:xfrm>
+          <a:off x="0" y="0"/>
+          <a:ext cx="0" cy="0"/>
+          <a:chOff x="0" y="0"/>
+          <a:chExt cx="0" cy="0"/>
+        </a:xfrm>
+      </p:grpSpPr>
+      <p:sp>
+        <p:nvSpPr>
+          <p:cNvPr id="2" name="Rectangle 1"/>
+          <p:cNvSpPr/>
+          <p:nvPr/>
+        </p:nvSpPr>
+        <p:spPr>
+          <a:xfrm>
+            <a:off x="515003" y="545432"/>
+            <a:ext cx="11161987" cy="5853453"/>
+          </a:xfrm>
+          <a:prstGeom prst="rect">
+            <a:avLst/>
+          </a:prstGeom>
+          <a:noFill/>
+        </p:spPr>
+        <p:style>
+          <a:lnRef idx="2">
+            <a:schemeClr val="accent1">
+              <a:shade val="50000"/>
+            </a:schemeClr>
+          </a:lnRef>
+          <a:fillRef idx="1">
+            <a:schemeClr val="accent1"/>
+          </a:fillRef>
+          <a:effectRef idx="0">
+            <a:schemeClr val="accent1"/>
+          </a:effectRef>
+          <a:fontRef idx="minor">
+            <a:schemeClr val="lt1"/>
+          </a:fontRef>
+        </p:style>
+        <p:txBody>
+          <a:bodyPr rtlCol="0" anchor="ctr"/>
+          <a:lstStyle/>
+          <a:p>
+            <a:pPr algn="ctr"/>
+            <a:endParaRPr lang="fr-FR"/>
+          </a:p>
+        </p:txBody>
+      </p:sp>
+      <p:sp>
+        <p:nvSpPr>
+          <p:cNvPr id="4" name="Slide Number Placeholder 3"/>
+          <p:cNvSpPr>
+            <a:spLocks noGrp="1"/>
+          </p:cNvSpPr>
+          <p:nvPr>
+            <p:ph type="sldNum" sz="quarter" idx="12"/>
+          </p:nvPr>
+        </p:nvSpPr>
+        <p:spPr/>
+        <p:txBody>
+          <a:bodyPr vert="horz" lIns="91440" tIns="45720" rIns="91440" bIns="45720" rtlCol="0" anchor="ctr"/>
+          <a:lstStyle/>
+          <a:p>
+            <a:fld id="{4DB97305-A191-469C-8B05-B348AD76F4AF}" type="slidenum">
+              <a:rPr lang="fr-FR">
+                <a:latin typeface="Berlin Sans FB Demi" panose="020E0802020502020306" pitchFamily="34" charset="0"/>
+              </a:rPr>
+              <a:pPr/>
+              <a:t>28</a:t>
+            </a:fld>
+            <a:endParaRPr lang="fr-FR">
+              <a:latin typeface="Berlin Sans FB Demi" panose="020E0802020502020306" pitchFamily="34" charset="0"/>
+            </a:endParaRPr>
+          </a:p>
+        </p:txBody>
+      </p:sp>
+      <p:sp>
+        <p:nvSpPr>
+          <p:cNvPr id="3" name="Rectangle 2"/>
+          <p:cNvSpPr/>
+          <p:nvPr/>
+        </p:nvSpPr>
+        <p:spPr>
+          <a:xfrm>
+            <a:off x="914401" y="4464089"/>
+            <a:ext cx="10439399" cy="1354217"/>
+          </a:xfrm>
+          <a:prstGeom prst="rect">
+            <a:avLst/>
+          </a:prstGeom>
+        </p:spPr>
+        <p:txBody>
+          <a:bodyPr wrap="square">
+            <a:spAutoFit/>
+          </a:bodyPr>
+          <a:lstStyle/>
+          <a:p>
+            <a:pPr algn="just"/>
+            <a:r>
+              <a:rPr lang="fr-FR" sz="2800" dirty="0" smtClean="0">
+                <a:solidFill>
+                  <a:schemeClr val="accent5">
+                    <a:lumMod val="75000"/>
+                  </a:schemeClr>
+                </a:solidFill>
+                <a:latin typeface="Berlin Sans FB" panose="020E0602020502020306" pitchFamily="34" charset="0"/>
+              </a:rPr>
+              <a:t>3. Perspectives </a:t>
+            </a:r>
+            <a:r>
+              <a:rPr lang="fr-FR" sz="2800" dirty="0">
+                <a:solidFill>
+                  <a:schemeClr val="accent5">
+                    <a:lumMod val="75000"/>
+                  </a:schemeClr>
+                </a:solidFill>
+                <a:latin typeface="Berlin Sans FB" panose="020E0602020502020306" pitchFamily="34" charset="0"/>
+              </a:rPr>
+              <a:t>stratégiques éclairées </a:t>
+            </a:r>
+            <a:r>
+              <a:rPr lang="fr-FR" sz="2800" dirty="0" smtClean="0">
+                <a:solidFill>
+                  <a:schemeClr val="accent5">
+                    <a:lumMod val="75000"/>
+                  </a:schemeClr>
+                </a:solidFill>
+                <a:latin typeface="Berlin Sans FB" panose="020E0602020502020306" pitchFamily="34" charset="0"/>
+              </a:rPr>
+              <a:t>:</a:t>
+            </a:r>
+          </a:p>
+          <a:p>
+            <a:pPr algn="just"/>
+            <a:r>
+              <a:rPr lang="fr-FR" dirty="0" smtClean="0">
+                <a:latin typeface="Berlin Sans FB" panose="020E0602020502020306" pitchFamily="34" charset="0"/>
+              </a:rPr>
+              <a:t>La </a:t>
+            </a:r>
+            <a:r>
+              <a:rPr lang="fr-FR" dirty="0">
+                <a:latin typeface="Berlin Sans FB" panose="020E0602020502020306" pitchFamily="34" charset="0"/>
+              </a:rPr>
+              <a:t>comparaison des données entre 2021 et 2025, en distinguant produits communs, éditions limitées et nouveaux lancements, fournit une base solide pour orienter les futures décisions commerciales et ajuster les stratégies de </a:t>
+            </a:r>
+            <a:r>
+              <a:rPr lang="fr-FR" dirty="0" err="1">
+                <a:latin typeface="Berlin Sans FB" panose="020E0602020502020306" pitchFamily="34" charset="0"/>
+              </a:rPr>
+              <a:t>pricing</a:t>
+            </a:r>
+            <a:r>
+              <a:rPr lang="fr-FR" dirty="0">
+                <a:latin typeface="Berlin Sans FB" panose="020E0602020502020306" pitchFamily="34" charset="0"/>
+              </a:rPr>
+              <a:t> à l'échelle globale et locale.</a:t>
+            </a:r>
+          </a:p>
+        </p:txBody>
+      </p:sp>
+      <p:sp>
+        <p:nvSpPr>
+          <p:cNvPr id="7" name="Rectangle 6"/>
+          <p:cNvSpPr/>
+          <p:nvPr/>
+        </p:nvSpPr>
+        <p:spPr>
+          <a:xfrm>
+            <a:off x="876297" y="2842750"/>
+            <a:ext cx="10439398" cy="1077218"/>
+          </a:xfrm>
+          <a:prstGeom prst="rect">
+            <a:avLst/>
+          </a:prstGeom>
+        </p:spPr>
+        <p:txBody>
+          <a:bodyPr wrap="square">
+            <a:spAutoFit/>
+          </a:bodyPr>
+          <a:lstStyle/>
+          <a:p>
+            <a:pPr algn="just"/>
+            <a:r>
+              <a:rPr lang="fr-FR" sz="2800" dirty="0">
+                <a:solidFill>
+                  <a:schemeClr val="accent5">
+                    <a:lumMod val="75000"/>
+                  </a:schemeClr>
+                </a:solidFill>
+                <a:latin typeface="Berlin Sans FB" panose="020E0602020502020306" pitchFamily="34" charset="0"/>
+              </a:rPr>
+              <a:t>2</a:t>
+            </a:r>
+            <a:r>
+              <a:rPr lang="fr-FR" sz="2800" dirty="0" smtClean="0">
+                <a:solidFill>
+                  <a:schemeClr val="accent5">
+                    <a:lumMod val="75000"/>
+                  </a:schemeClr>
+                </a:solidFill>
+                <a:latin typeface="Berlin Sans FB" panose="020E0602020502020306" pitchFamily="34" charset="0"/>
+              </a:rPr>
+              <a:t>. Disparités </a:t>
+            </a:r>
+            <a:r>
+              <a:rPr lang="fr-FR" sz="2800" dirty="0">
+                <a:solidFill>
+                  <a:schemeClr val="accent5">
+                    <a:lumMod val="75000"/>
+                  </a:schemeClr>
+                </a:solidFill>
+                <a:latin typeface="Berlin Sans FB" panose="020E0602020502020306" pitchFamily="34" charset="0"/>
+              </a:rPr>
+              <a:t>de prix significatives : </a:t>
+            </a:r>
+            <a:endParaRPr lang="fr-FR" sz="2800" dirty="0" smtClean="0">
+              <a:solidFill>
+                <a:schemeClr val="accent5">
+                  <a:lumMod val="75000"/>
+                </a:schemeClr>
+              </a:solidFill>
+              <a:latin typeface="Berlin Sans FB" panose="020E0602020502020306" pitchFamily="34" charset="0"/>
+            </a:endParaRPr>
+          </a:p>
+          <a:p>
+            <a:pPr algn="just"/>
+            <a:r>
+              <a:rPr lang="fr-FR" dirty="0" smtClean="0">
+                <a:latin typeface="Berlin Sans FB" panose="020E0602020502020306" pitchFamily="34" charset="0"/>
+              </a:rPr>
+              <a:t>Les </a:t>
+            </a:r>
+            <a:r>
+              <a:rPr lang="fr-FR" dirty="0">
+                <a:latin typeface="Berlin Sans FB" panose="020E0602020502020306" pitchFamily="34" charset="0"/>
+              </a:rPr>
+              <a:t>écarts observés entre les prix par collection et par marché, exprimés en différences absolues et en pourcentages, mettent en évidence des variations marquées qui peuvent impacter la compétitivité locale.</a:t>
+            </a:r>
+            <a:endParaRPr lang="fr-FR" dirty="0">
+              <a:latin typeface="Berlin Sans FB" panose="020E0602020502020306" pitchFamily="34" charset="0"/>
+            </a:endParaRPr>
+          </a:p>
+        </p:txBody>
+      </p:sp>
+      <p:sp>
+        <p:nvSpPr>
+          <p:cNvPr id="8" name="Rectangle 7"/>
+          <p:cNvSpPr/>
+          <p:nvPr/>
+        </p:nvSpPr>
+        <p:spPr>
+          <a:xfrm>
+            <a:off x="914401" y="1227488"/>
+            <a:ext cx="10439399" cy="1077218"/>
+          </a:xfrm>
+          <a:prstGeom prst="rect">
+            <a:avLst/>
+          </a:prstGeom>
+        </p:spPr>
+        <p:txBody>
+          <a:bodyPr wrap="square">
+            <a:spAutoFit/>
+          </a:bodyPr>
+          <a:lstStyle/>
+          <a:p>
+            <a:pPr algn="just"/>
+            <a:r>
+              <a:rPr lang="fr-FR" sz="2800" dirty="0">
+                <a:solidFill>
+                  <a:schemeClr val="accent5">
+                    <a:lumMod val="75000"/>
+                  </a:schemeClr>
+                </a:solidFill>
+                <a:latin typeface="Berlin Sans FB" panose="020E0602020502020306" pitchFamily="34" charset="0"/>
+              </a:rPr>
+              <a:t>1</a:t>
+            </a:r>
+            <a:r>
+              <a:rPr lang="fr-FR" sz="2800" dirty="0" smtClean="0">
+                <a:solidFill>
+                  <a:schemeClr val="accent5">
+                    <a:lumMod val="75000"/>
+                  </a:schemeClr>
+                </a:solidFill>
+                <a:latin typeface="Berlin Sans FB" panose="020E0602020502020306" pitchFamily="34" charset="0"/>
+              </a:rPr>
+              <a:t>. Marché </a:t>
+            </a:r>
+            <a:r>
+              <a:rPr lang="fr-FR" sz="2800" dirty="0">
+                <a:solidFill>
+                  <a:schemeClr val="accent5">
+                    <a:lumMod val="75000"/>
+                  </a:schemeClr>
+                </a:solidFill>
+                <a:latin typeface="Berlin Sans FB" panose="020E0602020502020306" pitchFamily="34" charset="0"/>
+              </a:rPr>
+              <a:t>gris en mutation </a:t>
+            </a:r>
+            <a:r>
+              <a:rPr lang="fr-FR" sz="2800" dirty="0" smtClean="0">
+                <a:solidFill>
+                  <a:schemeClr val="accent5">
+                    <a:lumMod val="75000"/>
+                  </a:schemeClr>
+                </a:solidFill>
+                <a:latin typeface="Berlin Sans FB" panose="020E0602020502020306" pitchFamily="34" charset="0"/>
+              </a:rPr>
+              <a:t>:</a:t>
+            </a:r>
+          </a:p>
+          <a:p>
+            <a:pPr algn="just"/>
+            <a:r>
+              <a:rPr lang="fr-FR" dirty="0" smtClean="0">
+                <a:latin typeface="Berlin Sans FB" panose="020E0602020502020306" pitchFamily="34" charset="0"/>
+              </a:rPr>
+              <a:t>La </a:t>
+            </a:r>
+            <a:r>
+              <a:rPr lang="fr-FR" dirty="0">
+                <a:latin typeface="Berlin Sans FB" panose="020E0602020502020306" pitchFamily="34" charset="0"/>
+              </a:rPr>
+              <a:t>cartographie des opportunités sur le marché gris, variable selon les pays (France, Japon, UK, USA), souligne l'importance d'identifier les terrains favorables et d'adapter les stratégies de contrôle des marges.</a:t>
+            </a:r>
+            <a:endParaRPr lang="fr-FR" dirty="0">
+              <a:latin typeface="Berlin Sans FB" panose="020E0602020502020306" pitchFamily="34" charset="0"/>
+            </a:endParaRPr>
+          </a:p>
+        </p:txBody>
+      </p:sp>
+    </p:spTree>
+    <p:extLst>
+      <p:ext uri="{BB962C8B-B14F-4D97-AF65-F5344CB8AC3E}">
+        <p14:creationId xmlns:p14="http://schemas.microsoft.com/office/powerpoint/2010/main" val="3023731528"/>
+      </p:ext>
+    </p:extLst>
+  </p:cSld>
+  <p:clrMapOvr>
+    <a:masterClrMapping/>
+  </p:clrMapOvr>
+  <p:timing>
+    <p:tnLst>
+      <p:par>
+        <p:cTn id="1" dur="indefinite" restart="never" nodeType="tmRoot"/>
+      </p:par>
+    </p:tnLst>
+  </p:timing>
+</p:sld>
+</file>
+
+<file path=ppt/slides/slide29.xml><?xml version="1.0" encoding="utf-8"?>
+<p:sld xmlns:a="http://schemas.openxmlformats.org/drawingml/2006/main" xmlns:r="http://schemas.openxmlformats.org/officeDocument/2006/relationships" xmlns:p="http://schemas.openxmlformats.org/presentationml/2006/main">
+  <p:cSld>
+    <p:spTree>
+      <p:nvGrpSpPr>
+        <p:cNvPr id="1" name=""/>
+        <p:cNvGrpSpPr/>
+        <p:nvPr/>
+      </p:nvGrpSpPr>
+      <p:grpSpPr>
+        <a:xfrm>
+          <a:off x="0" y="0"/>
+          <a:ext cx="0" cy="0"/>
+          <a:chOff x="0" y="0"/>
+          <a:chExt cx="0" cy="0"/>
+        </a:xfrm>
+      </p:grpSpPr>
+      <p:sp>
+        <p:nvSpPr>
+          <p:cNvPr id="7" name="Rectangle 6"/>
+          <p:cNvSpPr/>
+          <p:nvPr/>
+        </p:nvSpPr>
+        <p:spPr>
+          <a:xfrm>
+            <a:off x="-830817" y="1840250"/>
+            <a:ext cx="14096874" cy="2896852"/>
+          </a:xfrm>
+          <a:prstGeom prst="rect">
+            <a:avLst/>
+          </a:prstGeom>
+          <a:solidFill>
+            <a:schemeClr val="accent1">
+              <a:lumMod val="50000"/>
+            </a:schemeClr>
+          </a:solidFill>
+        </p:spPr>
+        <p:style>
+          <a:lnRef idx="2">
+            <a:schemeClr val="accent1">
+              <a:shade val="50000"/>
+            </a:schemeClr>
+          </a:lnRef>
+          <a:fillRef idx="1">
+            <a:schemeClr val="accent1"/>
+          </a:fillRef>
+          <a:effectRef idx="0">
+            <a:schemeClr val="accent1"/>
+          </a:effectRef>
+          <a:fontRef idx="minor">
+            <a:schemeClr val="lt1"/>
+          </a:fontRef>
+        </p:style>
+        <p:txBody>
+          <a:bodyPr rtlCol="0" anchor="ctr"/>
+          <a:lstStyle/>
+          <a:p>
+            <a:pPr algn="ctr"/>
+            <a:endParaRPr lang="fr-FR"/>
+          </a:p>
+        </p:txBody>
+      </p:sp>
+      <p:sp>
+        <p:nvSpPr>
+          <p:cNvPr id="8" name="Rectangle 7"/>
+          <p:cNvSpPr/>
+          <p:nvPr/>
+        </p:nvSpPr>
+        <p:spPr>
+          <a:xfrm>
+            <a:off x="674070" y="2873177"/>
+            <a:ext cx="11087100" cy="830997"/>
+          </a:xfrm>
+          <a:prstGeom prst="rect">
+            <a:avLst/>
+          </a:prstGeom>
+        </p:spPr>
+        <p:txBody>
+          <a:bodyPr wrap="square">
+            <a:spAutoFit/>
+          </a:bodyPr>
+          <a:lstStyle/>
+          <a:p>
+            <a:pPr algn="ctr"/>
+            <a:r>
+              <a:rPr lang="fr-FR" sz="4800" b="1" dirty="0" smtClean="0">
+                <a:solidFill>
+                  <a:schemeClr val="bg1"/>
+                </a:solidFill>
+                <a:latin typeface="Berlin Sans FB" panose="020E0602020502020306" pitchFamily="34" charset="0"/>
+              </a:rPr>
+              <a:t>Merci pour votre attention</a:t>
+            </a:r>
+            <a:endParaRPr lang="fr-FR" sz="4800" b="1" dirty="0">
+              <a:solidFill>
+                <a:schemeClr val="bg1"/>
+              </a:solidFill>
+              <a:latin typeface="Berlin Sans FB" panose="020E0602020502020306" pitchFamily="34" charset="0"/>
+            </a:endParaRPr>
+          </a:p>
+        </p:txBody>
+      </p:sp>
+    </p:spTree>
+    <p:extLst>
+      <p:ext uri="{BB962C8B-B14F-4D97-AF65-F5344CB8AC3E}">
+        <p14:creationId xmlns:p14="http://schemas.microsoft.com/office/powerpoint/2010/main" val="2790604105"/>
       </p:ext>
     </p:extLst>
   </p:cSld>
